--- a/Project/car price prediction/car price prediction.pptx
+++ b/Project/car price prediction/car price prediction.pptx
@@ -5,7 +5,7 @@
     <p:sldMasterId id="2147483650" r:id="rId1"/>
   </p:sldMasterIdLst>
   <p:notesMasterIdLst>
-    <p:notesMasterId r:id="rId44"/>
+    <p:notesMasterId r:id="rId46"/>
   </p:notesMasterIdLst>
   <p:sldIdLst>
     <p:sldId id="278" r:id="rId2"/>
@@ -22,34 +22,36 @@
     <p:sldId id="334" r:id="rId13"/>
     <p:sldId id="300" r:id="rId14"/>
     <p:sldId id="301" r:id="rId15"/>
-    <p:sldId id="302" r:id="rId16"/>
-    <p:sldId id="303" r:id="rId17"/>
-    <p:sldId id="329" r:id="rId18"/>
-    <p:sldId id="330" r:id="rId19"/>
-    <p:sldId id="304" r:id="rId20"/>
-    <p:sldId id="337" r:id="rId21"/>
-    <p:sldId id="305" r:id="rId22"/>
-    <p:sldId id="306" r:id="rId23"/>
-    <p:sldId id="326" r:id="rId24"/>
-    <p:sldId id="328" r:id="rId25"/>
-    <p:sldId id="312" r:id="rId26"/>
-    <p:sldId id="315" r:id="rId27"/>
-    <p:sldId id="325" r:id="rId28"/>
-    <p:sldId id="317" r:id="rId29"/>
-    <p:sldId id="318" r:id="rId30"/>
-    <p:sldId id="313" r:id="rId31"/>
-    <p:sldId id="319" r:id="rId32"/>
-    <p:sldId id="321" r:id="rId33"/>
-    <p:sldId id="324" r:id="rId34"/>
-    <p:sldId id="322" r:id="rId35"/>
-    <p:sldId id="345" r:id="rId36"/>
-    <p:sldId id="346" r:id="rId37"/>
-    <p:sldId id="347" r:id="rId38"/>
-    <p:sldId id="282" r:id="rId39"/>
-    <p:sldId id="349" r:id="rId40"/>
-    <p:sldId id="350" r:id="rId41"/>
-    <p:sldId id="292" r:id="rId42"/>
-    <p:sldId id="293" r:id="rId43"/>
+    <p:sldId id="351" r:id="rId16"/>
+    <p:sldId id="352" r:id="rId17"/>
+    <p:sldId id="302" r:id="rId18"/>
+    <p:sldId id="303" r:id="rId19"/>
+    <p:sldId id="329" r:id="rId20"/>
+    <p:sldId id="330" r:id="rId21"/>
+    <p:sldId id="304" r:id="rId22"/>
+    <p:sldId id="337" r:id="rId23"/>
+    <p:sldId id="305" r:id="rId24"/>
+    <p:sldId id="306" r:id="rId25"/>
+    <p:sldId id="326" r:id="rId26"/>
+    <p:sldId id="328" r:id="rId27"/>
+    <p:sldId id="312" r:id="rId28"/>
+    <p:sldId id="315" r:id="rId29"/>
+    <p:sldId id="325" r:id="rId30"/>
+    <p:sldId id="317" r:id="rId31"/>
+    <p:sldId id="318" r:id="rId32"/>
+    <p:sldId id="313" r:id="rId33"/>
+    <p:sldId id="319" r:id="rId34"/>
+    <p:sldId id="321" r:id="rId35"/>
+    <p:sldId id="324" r:id="rId36"/>
+    <p:sldId id="322" r:id="rId37"/>
+    <p:sldId id="345" r:id="rId38"/>
+    <p:sldId id="346" r:id="rId39"/>
+    <p:sldId id="347" r:id="rId40"/>
+    <p:sldId id="282" r:id="rId41"/>
+    <p:sldId id="349" r:id="rId42"/>
+    <p:sldId id="350" r:id="rId43"/>
+    <p:sldId id="292" r:id="rId44"/>
+    <p:sldId id="293" r:id="rId45"/>
   </p:sldIdLst>
   <p:sldSz cx="12192000" cy="6858000"/>
   <p:notesSz cx="13716000" cy="24384000"/>
@@ -24486,7 +24488,7 @@
         </p:blipFill>
         <p:spPr>
           <a:xfrm>
-            <a:off x="502938" y="1291373"/>
+            <a:off x="621792" y="1291373"/>
             <a:ext cx="6963747" cy="1505160"/>
           </a:xfrm>
           <a:prstGeom prst="rect">
@@ -24573,6 +24575,231 @@
       </p:grpSpPr>
       <p:sp>
         <p:nvSpPr>
+          <p:cNvPr id="5" name="Slide Number Placeholder 4">
+            <a:extLst>
+              <a:ext uri="{FF2B5EF4-FFF2-40B4-BE49-F238E27FC236}">
+                <a16:creationId xmlns:a16="http://schemas.microsoft.com/office/drawing/2014/main" id="{31B60FBD-DBF8-72A7-4ABF-EE419141049D}"/>
+              </a:ext>
+            </a:extLst>
+          </p:cNvPr>
+          <p:cNvSpPr>
+            <a:spLocks noGrp="1"/>
+          </p:cNvSpPr>
+          <p:nvPr>
+            <p:ph type="sldNum" sz="quarter" idx="12"/>
+          </p:nvPr>
+        </p:nvSpPr>
+        <p:spPr/>
+        <p:txBody>
+          <a:bodyPr/>
+          <a:lstStyle/>
+          <a:p>
+            <a:fld id="{48F63A3B-78C7-47BE-AE5E-E10140E04643}" type="slidenum">
+              <a:rPr lang="en-US" smtClean="0"/>
+              <a:t>15</a:t>
+            </a:fld>
+            <a:endParaRPr lang="en-US" dirty="0"/>
+          </a:p>
+        </p:txBody>
+      </p:sp>
+      <p:pic>
+        <p:nvPicPr>
+          <p:cNvPr id="7" name="Picture 6">
+            <a:extLst>
+              <a:ext uri="{FF2B5EF4-FFF2-40B4-BE49-F238E27FC236}">
+                <a16:creationId xmlns:a16="http://schemas.microsoft.com/office/drawing/2014/main" id="{0E32FEEE-4D19-287C-4A6C-C2D98905CF81}"/>
+              </a:ext>
+            </a:extLst>
+          </p:cNvPr>
+          <p:cNvPicPr>
+            <a:picLocks noChangeAspect="1"/>
+          </p:cNvPicPr>
+          <p:nvPr/>
+        </p:nvPicPr>
+        <p:blipFill>
+          <a:blip r:embed="rId2"/>
+          <a:stretch>
+            <a:fillRect/>
+          </a:stretch>
+        </p:blipFill>
+        <p:spPr>
+          <a:xfrm>
+            <a:off x="1510529" y="731520"/>
+            <a:ext cx="8364117" cy="914528"/>
+          </a:xfrm>
+          <a:prstGeom prst="rect">
+            <a:avLst/>
+          </a:prstGeom>
+        </p:spPr>
+      </p:pic>
+      <p:pic>
+        <p:nvPicPr>
+          <p:cNvPr id="1026" name="Picture 2">
+            <a:extLst>
+              <a:ext uri="{FF2B5EF4-FFF2-40B4-BE49-F238E27FC236}">
+                <a16:creationId xmlns:a16="http://schemas.microsoft.com/office/drawing/2014/main" id="{2B779931-A97B-1688-46CB-DD99A3103C50}"/>
+              </a:ext>
+            </a:extLst>
+          </p:cNvPr>
+          <p:cNvPicPr>
+            <a:picLocks noChangeAspect="1" noChangeArrowheads="1"/>
+          </p:cNvPicPr>
+          <p:nvPr/>
+        </p:nvPicPr>
+        <p:blipFill>
+          <a:blip r:embed="rId3">
+            <a:extLst>
+              <a:ext uri="{28A0092B-C50C-407E-A947-70E740481C1C}">
+                <a14:useLocalDpi xmlns:a14="http://schemas.microsoft.com/office/drawing/2010/main" val="0"/>
+              </a:ext>
+            </a:extLst>
+          </a:blip>
+          <a:srcRect/>
+          <a:stretch>
+            <a:fillRect/>
+          </a:stretch>
+        </p:blipFill>
+        <p:spPr bwMode="auto">
+          <a:xfrm>
+            <a:off x="760715" y="1842247"/>
+            <a:ext cx="9863743" cy="4592635"/>
+          </a:xfrm>
+          <a:prstGeom prst="rect">
+            <a:avLst/>
+          </a:prstGeom>
+          <a:noFill/>
+          <a:extLst>
+            <a:ext uri="{909E8E84-426E-40DD-AFC4-6F175D3DCCD1}">
+              <a14:hiddenFill xmlns:a14="http://schemas.microsoft.com/office/drawing/2010/main">
+                <a:solidFill>
+                  <a:srgbClr val="FFFFFF"/>
+                </a:solidFill>
+              </a14:hiddenFill>
+            </a:ext>
+          </a:extLst>
+        </p:spPr>
+      </p:pic>
+    </p:spTree>
+    <p:extLst>
+      <p:ext uri="{BB962C8B-B14F-4D97-AF65-F5344CB8AC3E}">
+        <p14:creationId xmlns:p14="http://schemas.microsoft.com/office/powerpoint/2010/main" val="148612042"/>
+      </p:ext>
+    </p:extLst>
+  </p:cSld>
+  <p:clrMapOvr>
+    <a:masterClrMapping/>
+  </p:clrMapOvr>
+</p:sld>
+</file>
+
+<file path=ppt/slides/slide16.xml><?xml version="1.0" encoding="utf-8"?>
+<p:sld xmlns:a="http://schemas.openxmlformats.org/drawingml/2006/main" xmlns:r="http://schemas.openxmlformats.org/officeDocument/2006/relationships" xmlns:p="http://schemas.openxmlformats.org/presentationml/2006/main">
+  <p:cSld>
+    <p:spTree>
+      <p:nvGrpSpPr>
+        <p:cNvPr id="1" name=""/>
+        <p:cNvGrpSpPr/>
+        <p:nvPr/>
+      </p:nvGrpSpPr>
+      <p:grpSpPr>
+        <a:xfrm>
+          <a:off x="0" y="0"/>
+          <a:ext cx="0" cy="0"/>
+          <a:chOff x="0" y="0"/>
+          <a:chExt cx="0" cy="0"/>
+        </a:xfrm>
+      </p:grpSpPr>
+      <p:sp>
+        <p:nvSpPr>
+          <p:cNvPr id="5" name="Slide Number Placeholder 4">
+            <a:extLst>
+              <a:ext uri="{FF2B5EF4-FFF2-40B4-BE49-F238E27FC236}">
+                <a16:creationId xmlns:a16="http://schemas.microsoft.com/office/drawing/2014/main" id="{31B60FBD-DBF8-72A7-4ABF-EE419141049D}"/>
+              </a:ext>
+            </a:extLst>
+          </p:cNvPr>
+          <p:cNvSpPr>
+            <a:spLocks noGrp="1"/>
+          </p:cNvSpPr>
+          <p:nvPr>
+            <p:ph type="sldNum" sz="quarter" idx="12"/>
+          </p:nvPr>
+        </p:nvSpPr>
+        <p:spPr/>
+        <p:txBody>
+          <a:bodyPr/>
+          <a:lstStyle/>
+          <a:p>
+            <a:fld id="{48F63A3B-78C7-47BE-AE5E-E10140E04643}" type="slidenum">
+              <a:rPr lang="en-US" smtClean="0"/>
+              <a:t>16</a:t>
+            </a:fld>
+            <a:endParaRPr lang="en-US" dirty="0"/>
+          </a:p>
+        </p:txBody>
+      </p:sp>
+      <p:pic>
+        <p:nvPicPr>
+          <p:cNvPr id="3" name="Picture 2">
+            <a:extLst>
+              <a:ext uri="{FF2B5EF4-FFF2-40B4-BE49-F238E27FC236}">
+                <a16:creationId xmlns:a16="http://schemas.microsoft.com/office/drawing/2014/main" id="{F9BAF927-9480-9356-62C2-B4130C09DF6B}"/>
+              </a:ext>
+            </a:extLst>
+          </p:cNvPr>
+          <p:cNvPicPr>
+            <a:picLocks noChangeAspect="1"/>
+          </p:cNvPicPr>
+          <p:nvPr/>
+        </p:nvPicPr>
+        <p:blipFill>
+          <a:blip r:embed="rId2"/>
+          <a:stretch>
+            <a:fillRect/>
+          </a:stretch>
+        </p:blipFill>
+        <p:spPr>
+          <a:xfrm>
+            <a:off x="1788459" y="1613647"/>
+            <a:ext cx="9254169" cy="3329424"/>
+          </a:xfrm>
+          <a:prstGeom prst="rect">
+            <a:avLst/>
+          </a:prstGeom>
+        </p:spPr>
+      </p:pic>
+    </p:spTree>
+    <p:extLst>
+      <p:ext uri="{BB962C8B-B14F-4D97-AF65-F5344CB8AC3E}">
+        <p14:creationId xmlns:p14="http://schemas.microsoft.com/office/powerpoint/2010/main" val="2275041493"/>
+      </p:ext>
+    </p:extLst>
+  </p:cSld>
+  <p:clrMapOvr>
+    <a:masterClrMapping/>
+  </p:clrMapOvr>
+</p:sld>
+</file>
+
+<file path=ppt/slides/slide17.xml><?xml version="1.0" encoding="utf-8"?>
+<p:sld xmlns:a="http://schemas.openxmlformats.org/drawingml/2006/main" xmlns:r="http://schemas.openxmlformats.org/officeDocument/2006/relationships" xmlns:p="http://schemas.openxmlformats.org/presentationml/2006/main">
+  <p:cSld>
+    <p:spTree>
+      <p:nvGrpSpPr>
+        <p:cNvPr id="1" name=""/>
+        <p:cNvGrpSpPr/>
+        <p:nvPr/>
+      </p:nvGrpSpPr>
+      <p:grpSpPr>
+        <a:xfrm>
+          <a:off x="0" y="0"/>
+          <a:ext cx="0" cy="0"/>
+          <a:chOff x="0" y="0"/>
+          <a:chExt cx="0" cy="0"/>
+        </a:xfrm>
+      </p:grpSpPr>
+      <p:sp>
+        <p:nvSpPr>
           <p:cNvPr id="2" name="Title 1">
             <a:extLst>
               <a:ext uri="{FF2B5EF4-FFF2-40B4-BE49-F238E27FC236}">
@@ -24630,7 +24857,7 @@
           <a:p>
             <a:fld id="{48F63A3B-78C7-47BE-AE5E-E10140E04643}" type="slidenum">
               <a:rPr lang="en-US" smtClean="0"/>
-              <a:t>15</a:t>
+              <a:t>17</a:t>
             </a:fld>
             <a:endParaRPr lang="en-US" dirty="0"/>
           </a:p>
@@ -24658,7 +24885,7 @@
         </p:blipFill>
         <p:spPr>
           <a:xfrm>
-            <a:off x="2070848" y="1290918"/>
+            <a:off x="3039035" y="1183341"/>
             <a:ext cx="6559156" cy="3429000"/>
           </a:xfrm>
           <a:prstGeom prst="rect">
@@ -24668,10 +24895,10 @@
       </p:pic>
       <p:pic>
         <p:nvPicPr>
-          <p:cNvPr id="12" name="Picture 11">
+          <p:cNvPr id="5" name="Picture 4">
             <a:extLst>
               <a:ext uri="{FF2B5EF4-FFF2-40B4-BE49-F238E27FC236}">
-                <a16:creationId xmlns:a16="http://schemas.microsoft.com/office/drawing/2014/main" id="{45ED11A8-3F6B-E9B3-0902-43F2F84AB3C4}"/>
+                <a16:creationId xmlns:a16="http://schemas.microsoft.com/office/drawing/2014/main" id="{A10D87C6-80A5-AA0B-81E5-3124DBDA841A}"/>
               </a:ext>
             </a:extLst>
           </p:cNvPr>
@@ -24688,8 +24915,8 @@
         </p:blipFill>
         <p:spPr>
           <a:xfrm>
-            <a:off x="2070848" y="5024081"/>
-            <a:ext cx="5982535" cy="1086002"/>
+            <a:off x="2342011" y="4905448"/>
+            <a:ext cx="8287907" cy="1057423"/>
           </a:xfrm>
           <a:prstGeom prst="rect">
             <a:avLst/>
@@ -24709,7 +24936,7 @@
 </p:sld>
 </file>
 
-<file path=ppt/slides/slide16.xml><?xml version="1.0" encoding="utf-8"?>
+<file path=ppt/slides/slide18.xml><?xml version="1.0" encoding="utf-8"?>
 <p:sld xmlns:a="http://schemas.openxmlformats.org/drawingml/2006/main" xmlns:r="http://schemas.openxmlformats.org/officeDocument/2006/relationships" xmlns:p="http://schemas.openxmlformats.org/presentationml/2006/main">
   <p:cSld>
     <p:spTree>
@@ -24984,7 +25211,7 @@
           <a:p>
             <a:fld id="{48F63A3B-78C7-47BE-AE5E-E10140E04643}" type="slidenum">
               <a:rPr lang="en-US" smtClean="0"/>
-              <a:t>16</a:t>
+              <a:t>18</a:t>
             </a:fld>
             <a:endParaRPr lang="en-US" dirty="0"/>
           </a:p>
@@ -25099,7 +25326,7 @@
         <p:spPr>
           <a:xfrm>
             <a:off x="2178424" y="3429000"/>
-            <a:ext cx="5810915" cy="2030506"/>
+            <a:ext cx="6992470" cy="2030506"/>
           </a:xfrm>
           <a:prstGeom prst="rect">
             <a:avLst/>
@@ -25119,7 +25346,7 @@
 </p:sld>
 </file>
 
-<file path=ppt/slides/slide17.xml><?xml version="1.0" encoding="utf-8"?>
+<file path=ppt/slides/slide19.xml><?xml version="1.0" encoding="utf-8"?>
 <p:sld xmlns:a="http://schemas.openxmlformats.org/drawingml/2006/main" xmlns:r="http://schemas.openxmlformats.org/officeDocument/2006/relationships" xmlns:p="http://schemas.openxmlformats.org/presentationml/2006/main">
   <p:cSld>
     <p:spTree>
@@ -25159,7 +25386,7 @@
           <a:p>
             <a:fld id="{48F63A3B-78C7-47BE-AE5E-E10140E04643}" type="slidenum">
               <a:rPr lang="en-US" smtClean="0"/>
-              <a:t>17</a:t>
+              <a:t>19</a:t>
             </a:fld>
             <a:endParaRPr lang="en-US" dirty="0"/>
           </a:p>
@@ -25195,7 +25422,7 @@
           <a:p>
             <a:r>
               <a:rPr lang="en-IN" dirty="0"/>
-              <a:t>Comparing shape of old and new </a:t>
+              <a:t>        Comparing shape of old and new </a:t>
             </a:r>
             <a:r>
               <a:rPr lang="en-IN" dirty="0" err="1"/>
@@ -25333,7 +25560,7 @@
         </p:blipFill>
         <p:spPr>
           <a:xfrm>
-            <a:off x="2931736" y="5254299"/>
+            <a:off x="2730030" y="5254299"/>
             <a:ext cx="4744112" cy="1409897"/>
           </a:xfrm>
           <a:prstGeom prst="rect">
@@ -25354,7 +25581,214 @@
 </p:sld>
 </file>
 
-<file path=ppt/slides/slide18.xml><?xml version="1.0" encoding="utf-8"?>
+<file path=ppt/slides/slide2.xml><?xml version="1.0" encoding="utf-8"?>
+<p:sld xmlns:a="http://schemas.openxmlformats.org/drawingml/2006/main" xmlns:r="http://schemas.openxmlformats.org/officeDocument/2006/relationships" xmlns:p="http://schemas.openxmlformats.org/presentationml/2006/main">
+  <p:cSld>
+    <p:spTree>
+      <p:nvGrpSpPr>
+        <p:cNvPr id="1" name=""/>
+        <p:cNvGrpSpPr/>
+        <p:nvPr/>
+      </p:nvGrpSpPr>
+      <p:grpSpPr>
+        <a:xfrm>
+          <a:off x="0" y="0"/>
+          <a:ext cx="0" cy="0"/>
+          <a:chOff x="0" y="0"/>
+          <a:chExt cx="0" cy="0"/>
+        </a:xfrm>
+      </p:grpSpPr>
+      <p:sp>
+        <p:nvSpPr>
+          <p:cNvPr id="2" name="Title 1">
+            <a:extLst>
+              <a:ext uri="{FF2B5EF4-FFF2-40B4-BE49-F238E27FC236}">
+                <a16:creationId xmlns:a16="http://schemas.microsoft.com/office/drawing/2014/main" id="{85C565E9-D88A-55D3-9D42-BD1C24B6DE9F}"/>
+              </a:ext>
+            </a:extLst>
+          </p:cNvPr>
+          <p:cNvSpPr>
+            <a:spLocks noGrp="1"/>
+          </p:cNvSpPr>
+          <p:nvPr>
+            <p:ph type="title"/>
+          </p:nvPr>
+        </p:nvSpPr>
+        <p:spPr>
+          <a:xfrm>
+            <a:off x="1351698" y="718611"/>
+            <a:ext cx="5693664" cy="768096"/>
+          </a:xfrm>
+        </p:spPr>
+        <p:txBody>
+          <a:bodyPr/>
+          <a:lstStyle/>
+          <a:p>
+            <a:r>
+              <a:rPr lang="en-US" sz="4400" b="1" dirty="0">
+                <a:solidFill>
+                  <a:schemeClr val="accent6"/>
+                </a:solidFill>
+                <a:latin typeface="Arial Black" panose="020B0604020202020204" pitchFamily="34" charset="0"/>
+                <a:ea typeface="Arial Regular" pitchFamily="34" charset="-122"/>
+                <a:cs typeface="Arial Black" panose="020B0604020202020204" pitchFamily="34" charset="0"/>
+              </a:rPr>
+              <a:t>AGENDA</a:t>
+            </a:r>
+            <a:endParaRPr lang="en-US" sz="4400" b="1" dirty="0">
+              <a:solidFill>
+                <a:schemeClr val="accent6"/>
+              </a:solidFill>
+              <a:latin typeface="Arial Black" panose="020B0604020202020204" pitchFamily="34" charset="0"/>
+              <a:cs typeface="Arial Black" panose="020B0604020202020204" pitchFamily="34" charset="0"/>
+            </a:endParaRPr>
+          </a:p>
+        </p:txBody>
+      </p:sp>
+      <p:sp>
+        <p:nvSpPr>
+          <p:cNvPr id="3" name="Content Placeholder 2">
+            <a:extLst>
+              <a:ext uri="{FF2B5EF4-FFF2-40B4-BE49-F238E27FC236}">
+                <a16:creationId xmlns:a16="http://schemas.microsoft.com/office/drawing/2014/main" id="{4D1F66E5-D2D7-172B-46BA-FEBFE092CC7F}"/>
+              </a:ext>
+            </a:extLst>
+          </p:cNvPr>
+          <p:cNvSpPr>
+            <a:spLocks noGrp="1"/>
+          </p:cNvSpPr>
+          <p:nvPr>
+            <p:ph idx="1"/>
+          </p:nvPr>
+        </p:nvSpPr>
+        <p:spPr>
+          <a:xfrm>
+            <a:off x="1499616" y="1486707"/>
+            <a:ext cx="5693664" cy="5169587"/>
+          </a:xfrm>
+        </p:spPr>
+        <p:txBody>
+          <a:bodyPr/>
+          <a:lstStyle/>
+          <a:p>
+            <a:pPr marL="342900" indent="-342900">
+              <a:buFont typeface="Wingdings" panose="05000000000000000000" pitchFamily="2" charset="2"/>
+              <a:buChar char="§"/>
+            </a:pPr>
+            <a:r>
+              <a:rPr lang="en-US" sz="2000" dirty="0"/>
+              <a:t>Introduction​</a:t>
+            </a:r>
+          </a:p>
+          <a:p>
+            <a:pPr marL="342900" indent="-342900">
+              <a:buFont typeface="Wingdings" panose="05000000000000000000" pitchFamily="2" charset="2"/>
+              <a:buChar char="§"/>
+            </a:pPr>
+            <a:r>
+              <a:rPr lang="en-US" sz="2000" dirty="0"/>
+              <a:t>Problem Statement</a:t>
+            </a:r>
+          </a:p>
+          <a:p>
+            <a:pPr marL="342900" indent="-342900">
+              <a:buFont typeface="Wingdings" panose="05000000000000000000" pitchFamily="2" charset="2"/>
+              <a:buChar char="§"/>
+            </a:pPr>
+            <a:r>
+              <a:rPr lang="en-US" sz="2000" dirty="0"/>
+              <a:t>Business Goal</a:t>
+            </a:r>
+          </a:p>
+          <a:p>
+            <a:pPr marL="342900" indent="-342900">
+              <a:buFont typeface="Wingdings" panose="05000000000000000000" pitchFamily="2" charset="2"/>
+              <a:buChar char="§"/>
+            </a:pPr>
+            <a:r>
+              <a:rPr lang="en-US" sz="2000" dirty="0"/>
+              <a:t>Technical Requirement</a:t>
+            </a:r>
+          </a:p>
+          <a:p>
+            <a:pPr marL="342900" indent="-342900">
+              <a:buFont typeface="Wingdings" panose="05000000000000000000" pitchFamily="2" charset="2"/>
+              <a:buChar char="§"/>
+            </a:pPr>
+            <a:r>
+              <a:rPr lang="en-US" sz="2000" dirty="0"/>
+              <a:t>Exploratory Data Analysis (EDA) </a:t>
+            </a:r>
+          </a:p>
+          <a:p>
+            <a:pPr marL="342900" indent="-342900">
+              <a:buFont typeface="Wingdings" panose="05000000000000000000" pitchFamily="2" charset="2"/>
+              <a:buChar char="§"/>
+            </a:pPr>
+            <a:r>
+              <a:rPr lang="en-US" sz="2000" dirty="0"/>
+              <a:t>Data Pre-Processing</a:t>
+            </a:r>
+          </a:p>
+          <a:p>
+            <a:pPr marL="342900" indent="-342900">
+              <a:buFont typeface="Wingdings" panose="05000000000000000000" pitchFamily="2" charset="2"/>
+              <a:buChar char="§"/>
+            </a:pPr>
+            <a:r>
+              <a:rPr lang="en-US" sz="2000" dirty="0"/>
+              <a:t>Visualization </a:t>
+            </a:r>
+          </a:p>
+          <a:p>
+            <a:pPr marL="342900" indent="-342900">
+              <a:buFont typeface="Wingdings" panose="05000000000000000000" pitchFamily="2" charset="2"/>
+              <a:buChar char="§"/>
+            </a:pPr>
+            <a:r>
+              <a:rPr lang="en-US" sz="2000" dirty="0"/>
+              <a:t>Built Model </a:t>
+            </a:r>
+          </a:p>
+          <a:p>
+            <a:pPr marL="342900" indent="-342900">
+              <a:buFont typeface="Wingdings" panose="05000000000000000000" pitchFamily="2" charset="2"/>
+              <a:buChar char="§"/>
+            </a:pPr>
+            <a:r>
+              <a:rPr lang="en-US" sz="2000" dirty="0"/>
+              <a:t>Saved Best Model</a:t>
+            </a:r>
+          </a:p>
+          <a:p>
+            <a:pPr marL="342900" indent="-342900">
+              <a:buFont typeface="Wingdings" panose="05000000000000000000" pitchFamily="2" charset="2"/>
+              <a:buChar char="§"/>
+            </a:pPr>
+            <a:r>
+              <a:rPr lang="en-US" sz="2000" dirty="0"/>
+              <a:t>Summary​</a:t>
+            </a:r>
+          </a:p>
+          <a:p>
+            <a:endParaRPr lang="en-US" sz="2000" dirty="0"/>
+          </a:p>
+        </p:txBody>
+      </p:sp>
+    </p:spTree>
+    <p:extLst>
+      <p:ext uri="{BB962C8B-B14F-4D97-AF65-F5344CB8AC3E}">
+        <p14:creationId xmlns:p14="http://schemas.microsoft.com/office/powerpoint/2010/main" val="3855531800"/>
+      </p:ext>
+    </p:extLst>
+  </p:cSld>
+  <p:clrMapOvr>
+    <a:masterClrMapping/>
+  </p:clrMapOvr>
+</p:sld>
+</file>
+
+<file path=ppt/slides/slide20.xml><?xml version="1.0" encoding="utf-8"?>
 <p:sld xmlns:a="http://schemas.openxmlformats.org/drawingml/2006/main" xmlns:r="http://schemas.openxmlformats.org/officeDocument/2006/relationships" xmlns:p="http://schemas.openxmlformats.org/presentationml/2006/main">
   <p:cSld>
     <p:spTree>
@@ -25394,7 +25828,7 @@
           <a:p>
             <a:fld id="{48F63A3B-78C7-47BE-AE5E-E10140E04643}" type="slidenum">
               <a:rPr lang="en-US" smtClean="0"/>
-              <a:t>18</a:t>
+              <a:t>20</a:t>
             </a:fld>
             <a:endParaRPr lang="en-US" dirty="0"/>
           </a:p>
@@ -25414,7 +25848,7 @@
         </p:nvSpPr>
         <p:spPr>
           <a:xfrm>
-            <a:off x="726142" y="686683"/>
+            <a:off x="1008531" y="850281"/>
             <a:ext cx="8969188" cy="461665"/>
           </a:xfrm>
           <a:prstGeom prst="rect">
@@ -25457,7 +25891,7 @@
         </p:blipFill>
         <p:spPr>
           <a:xfrm>
-            <a:off x="1150212" y="1907281"/>
+            <a:off x="1150212" y="2022697"/>
             <a:ext cx="3552473" cy="1521719"/>
           </a:xfrm>
           <a:prstGeom prst="rect">
@@ -25487,7 +25921,7 @@
         </p:blipFill>
         <p:spPr>
           <a:xfrm>
-            <a:off x="6293224" y="1907281"/>
+            <a:off x="6293224" y="2022697"/>
             <a:ext cx="3345048" cy="1521719"/>
           </a:xfrm>
           <a:prstGeom prst="rect">
@@ -25517,8 +25951,8 @@
         </p:blipFill>
         <p:spPr>
           <a:xfrm>
-            <a:off x="2121998" y="4255168"/>
-            <a:ext cx="7516274" cy="400106"/>
+            <a:off x="1963271" y="4255167"/>
+            <a:ext cx="7675001" cy="461665"/>
           </a:xfrm>
           <a:prstGeom prst="rect">
             <a:avLst/>
@@ -25538,7 +25972,7 @@
 </p:sld>
 </file>
 
-<file path=ppt/slides/slide19.xml><?xml version="1.0" encoding="utf-8"?>
+<file path=ppt/slides/slide21.xml><?xml version="1.0" encoding="utf-8"?>
 <p:sld xmlns:a="http://schemas.openxmlformats.org/drawingml/2006/main" xmlns:r="http://schemas.openxmlformats.org/officeDocument/2006/relationships" xmlns:p="http://schemas.openxmlformats.org/presentationml/2006/main">
   <p:cSld>
     <p:spTree>
@@ -25614,7 +26048,7 @@
           <a:p>
             <a:fld id="{48F63A3B-78C7-47BE-AE5E-E10140E04643}" type="slidenum">
               <a:rPr lang="en-US" smtClean="0"/>
-              <a:t>19</a:t>
+              <a:t>21</a:t>
             </a:fld>
             <a:endParaRPr lang="en-US" dirty="0"/>
           </a:p>
@@ -25642,7 +26076,7 @@
         </p:blipFill>
         <p:spPr>
           <a:xfrm>
-            <a:off x="1004168" y="1382974"/>
+            <a:off x="1004168" y="1423315"/>
             <a:ext cx="2623369" cy="2261178"/>
           </a:xfrm>
           <a:prstGeom prst="rect">
@@ -25723,214 +26157,7 @@
 </p:sld>
 </file>
 
-<file path=ppt/slides/slide2.xml><?xml version="1.0" encoding="utf-8"?>
-<p:sld xmlns:a="http://schemas.openxmlformats.org/drawingml/2006/main" xmlns:r="http://schemas.openxmlformats.org/officeDocument/2006/relationships" xmlns:p="http://schemas.openxmlformats.org/presentationml/2006/main">
-  <p:cSld>
-    <p:spTree>
-      <p:nvGrpSpPr>
-        <p:cNvPr id="1" name=""/>
-        <p:cNvGrpSpPr/>
-        <p:nvPr/>
-      </p:nvGrpSpPr>
-      <p:grpSpPr>
-        <a:xfrm>
-          <a:off x="0" y="0"/>
-          <a:ext cx="0" cy="0"/>
-          <a:chOff x="0" y="0"/>
-          <a:chExt cx="0" cy="0"/>
-        </a:xfrm>
-      </p:grpSpPr>
-      <p:sp>
-        <p:nvSpPr>
-          <p:cNvPr id="2" name="Title 1">
-            <a:extLst>
-              <a:ext uri="{FF2B5EF4-FFF2-40B4-BE49-F238E27FC236}">
-                <a16:creationId xmlns:a16="http://schemas.microsoft.com/office/drawing/2014/main" id="{85C565E9-D88A-55D3-9D42-BD1C24B6DE9F}"/>
-              </a:ext>
-            </a:extLst>
-          </p:cNvPr>
-          <p:cNvSpPr>
-            <a:spLocks noGrp="1"/>
-          </p:cNvSpPr>
-          <p:nvPr>
-            <p:ph type="title"/>
-          </p:nvPr>
-        </p:nvSpPr>
-        <p:spPr>
-          <a:xfrm>
-            <a:off x="1351698" y="718611"/>
-            <a:ext cx="5693664" cy="768096"/>
-          </a:xfrm>
-        </p:spPr>
-        <p:txBody>
-          <a:bodyPr/>
-          <a:lstStyle/>
-          <a:p>
-            <a:r>
-              <a:rPr lang="en-US" sz="4400" b="1" dirty="0">
-                <a:solidFill>
-                  <a:schemeClr val="accent6"/>
-                </a:solidFill>
-                <a:latin typeface="Arial Black" panose="020B0604020202020204" pitchFamily="34" charset="0"/>
-                <a:ea typeface="Arial Regular" pitchFamily="34" charset="-122"/>
-                <a:cs typeface="Arial Black" panose="020B0604020202020204" pitchFamily="34" charset="0"/>
-              </a:rPr>
-              <a:t>AGENDA</a:t>
-            </a:r>
-            <a:endParaRPr lang="en-US" sz="4400" b="1" dirty="0">
-              <a:solidFill>
-                <a:schemeClr val="accent6"/>
-              </a:solidFill>
-              <a:latin typeface="Arial Black" panose="020B0604020202020204" pitchFamily="34" charset="0"/>
-              <a:cs typeface="Arial Black" panose="020B0604020202020204" pitchFamily="34" charset="0"/>
-            </a:endParaRPr>
-          </a:p>
-        </p:txBody>
-      </p:sp>
-      <p:sp>
-        <p:nvSpPr>
-          <p:cNvPr id="3" name="Content Placeholder 2">
-            <a:extLst>
-              <a:ext uri="{FF2B5EF4-FFF2-40B4-BE49-F238E27FC236}">
-                <a16:creationId xmlns:a16="http://schemas.microsoft.com/office/drawing/2014/main" id="{4D1F66E5-D2D7-172B-46BA-FEBFE092CC7F}"/>
-              </a:ext>
-            </a:extLst>
-          </p:cNvPr>
-          <p:cNvSpPr>
-            <a:spLocks noGrp="1"/>
-          </p:cNvSpPr>
-          <p:nvPr>
-            <p:ph idx="1"/>
-          </p:nvPr>
-        </p:nvSpPr>
-        <p:spPr>
-          <a:xfrm>
-            <a:off x="1499616" y="1486707"/>
-            <a:ext cx="5693664" cy="5169587"/>
-          </a:xfrm>
-        </p:spPr>
-        <p:txBody>
-          <a:bodyPr/>
-          <a:lstStyle/>
-          <a:p>
-            <a:pPr marL="342900" indent="-342900">
-              <a:buFont typeface="Wingdings" panose="05000000000000000000" pitchFamily="2" charset="2"/>
-              <a:buChar char="§"/>
-            </a:pPr>
-            <a:r>
-              <a:rPr lang="en-US" sz="2000" dirty="0"/>
-              <a:t>Introduction​</a:t>
-            </a:r>
-          </a:p>
-          <a:p>
-            <a:pPr marL="342900" indent="-342900">
-              <a:buFont typeface="Wingdings" panose="05000000000000000000" pitchFamily="2" charset="2"/>
-              <a:buChar char="§"/>
-            </a:pPr>
-            <a:r>
-              <a:rPr lang="en-US" sz="2000" dirty="0"/>
-              <a:t>Problem Statement</a:t>
-            </a:r>
-          </a:p>
-          <a:p>
-            <a:pPr marL="342900" indent="-342900">
-              <a:buFont typeface="Wingdings" panose="05000000000000000000" pitchFamily="2" charset="2"/>
-              <a:buChar char="§"/>
-            </a:pPr>
-            <a:r>
-              <a:rPr lang="en-US" sz="2000" dirty="0"/>
-              <a:t>Business Goal</a:t>
-            </a:r>
-          </a:p>
-          <a:p>
-            <a:pPr marL="342900" indent="-342900">
-              <a:buFont typeface="Wingdings" panose="05000000000000000000" pitchFamily="2" charset="2"/>
-              <a:buChar char="§"/>
-            </a:pPr>
-            <a:r>
-              <a:rPr lang="en-US" sz="2000" dirty="0"/>
-              <a:t>Technical Requirement</a:t>
-            </a:r>
-          </a:p>
-          <a:p>
-            <a:pPr marL="342900" indent="-342900">
-              <a:buFont typeface="Wingdings" panose="05000000000000000000" pitchFamily="2" charset="2"/>
-              <a:buChar char="§"/>
-            </a:pPr>
-            <a:r>
-              <a:rPr lang="en-US" sz="2000" dirty="0"/>
-              <a:t>Exploratory Data Analysis (EDA) </a:t>
-            </a:r>
-          </a:p>
-          <a:p>
-            <a:pPr marL="342900" indent="-342900">
-              <a:buFont typeface="Wingdings" panose="05000000000000000000" pitchFamily="2" charset="2"/>
-              <a:buChar char="§"/>
-            </a:pPr>
-            <a:r>
-              <a:rPr lang="en-US" sz="2000" dirty="0"/>
-              <a:t>Data Pre-Processing</a:t>
-            </a:r>
-          </a:p>
-          <a:p>
-            <a:pPr marL="342900" indent="-342900">
-              <a:buFont typeface="Wingdings" panose="05000000000000000000" pitchFamily="2" charset="2"/>
-              <a:buChar char="§"/>
-            </a:pPr>
-            <a:r>
-              <a:rPr lang="en-US" sz="2000" dirty="0"/>
-              <a:t>Visualization </a:t>
-            </a:r>
-          </a:p>
-          <a:p>
-            <a:pPr marL="342900" indent="-342900">
-              <a:buFont typeface="Wingdings" panose="05000000000000000000" pitchFamily="2" charset="2"/>
-              <a:buChar char="§"/>
-            </a:pPr>
-            <a:r>
-              <a:rPr lang="en-US" sz="2000" dirty="0"/>
-              <a:t>Built Model </a:t>
-            </a:r>
-          </a:p>
-          <a:p>
-            <a:pPr marL="342900" indent="-342900">
-              <a:buFont typeface="Wingdings" panose="05000000000000000000" pitchFamily="2" charset="2"/>
-              <a:buChar char="§"/>
-            </a:pPr>
-            <a:r>
-              <a:rPr lang="en-US" sz="2000" dirty="0"/>
-              <a:t>Saved Best Model</a:t>
-            </a:r>
-          </a:p>
-          <a:p>
-            <a:pPr marL="342900" indent="-342900">
-              <a:buFont typeface="Wingdings" panose="05000000000000000000" pitchFamily="2" charset="2"/>
-              <a:buChar char="§"/>
-            </a:pPr>
-            <a:r>
-              <a:rPr lang="en-US" sz="2000" dirty="0"/>
-              <a:t>Summary​</a:t>
-            </a:r>
-          </a:p>
-          <a:p>
-            <a:endParaRPr lang="en-US" sz="2000" dirty="0"/>
-          </a:p>
-        </p:txBody>
-      </p:sp>
-    </p:spTree>
-    <p:extLst>
-      <p:ext uri="{BB962C8B-B14F-4D97-AF65-F5344CB8AC3E}">
-        <p14:creationId xmlns:p14="http://schemas.microsoft.com/office/powerpoint/2010/main" val="3855531800"/>
-      </p:ext>
-    </p:extLst>
-  </p:cSld>
-  <p:clrMapOvr>
-    <a:masterClrMapping/>
-  </p:clrMapOvr>
-</p:sld>
-</file>
-
-<file path=ppt/slides/slide20.xml><?xml version="1.0" encoding="utf-8"?>
+<file path=ppt/slides/slide22.xml><?xml version="1.0" encoding="utf-8"?>
 <p:sld xmlns:a="http://schemas.openxmlformats.org/drawingml/2006/main" xmlns:r="http://schemas.openxmlformats.org/officeDocument/2006/relationships" xmlns:p="http://schemas.openxmlformats.org/presentationml/2006/main">
   <p:cSld>
     <p:spTree>
@@ -25970,7 +26197,7 @@
           <a:p>
             <a:fld id="{48F63A3B-78C7-47BE-AE5E-E10140E04643}" type="slidenum">
               <a:rPr lang="en-US" smtClean="0"/>
-              <a:t>20</a:t>
+              <a:t>22</a:t>
             </a:fld>
             <a:endParaRPr lang="en-US" dirty="0"/>
           </a:p>
@@ -26036,7 +26263,7 @@
 </p:sld>
 </file>
 
-<file path=ppt/slides/slide21.xml><?xml version="1.0" encoding="utf-8"?>
+<file path=ppt/slides/slide23.xml><?xml version="1.0" encoding="utf-8"?>
 <p:sld xmlns:a="http://schemas.openxmlformats.org/drawingml/2006/main" xmlns:r="http://schemas.openxmlformats.org/officeDocument/2006/relationships" xmlns:p="http://schemas.openxmlformats.org/presentationml/2006/main">
   <p:cSld>
     <p:spTree>
@@ -26232,7 +26459,7 @@
           <a:p>
             <a:fld id="{48F63A3B-78C7-47BE-AE5E-E10140E04643}" type="slidenum">
               <a:rPr lang="en-US" smtClean="0"/>
-              <a:t>21</a:t>
+              <a:t>23</a:t>
             </a:fld>
             <a:endParaRPr lang="en-US" dirty="0"/>
           </a:p>
@@ -26281,7 +26508,7 @@
 </p:sld>
 </file>
 
-<file path=ppt/slides/slide22.xml><?xml version="1.0" encoding="utf-8"?>
+<file path=ppt/slides/slide24.xml><?xml version="1.0" encoding="utf-8"?>
 <p:sld xmlns:a="http://schemas.openxmlformats.org/drawingml/2006/main" xmlns:r="http://schemas.openxmlformats.org/officeDocument/2006/relationships" xmlns:p="http://schemas.openxmlformats.org/presentationml/2006/main">
   <p:cSld>
     <p:spTree>
@@ -26357,7 +26584,7 @@
           <a:p>
             <a:fld id="{48F63A3B-78C7-47BE-AE5E-E10140E04643}" type="slidenum">
               <a:rPr lang="en-US" smtClean="0"/>
-              <a:t>22</a:t>
+              <a:t>24</a:t>
             </a:fld>
             <a:endParaRPr lang="en-US" dirty="0"/>
           </a:p>
@@ -26436,7 +26663,7 @@
 </p:sld>
 </file>
 
-<file path=ppt/slides/slide23.xml><?xml version="1.0" encoding="utf-8"?>
+<file path=ppt/slides/slide25.xml><?xml version="1.0" encoding="utf-8"?>
 <p:sld xmlns:a="http://schemas.openxmlformats.org/drawingml/2006/main" xmlns:r="http://schemas.openxmlformats.org/officeDocument/2006/relationships" xmlns:p="http://schemas.openxmlformats.org/presentationml/2006/main">
   <p:cSld>
     <p:spTree>
@@ -26476,7 +26703,7 @@
           <a:p>
             <a:fld id="{48F63A3B-78C7-47BE-AE5E-E10140E04643}" type="slidenum">
               <a:rPr lang="en-US" smtClean="0"/>
-              <a:t>23</a:t>
+              <a:t>25</a:t>
             </a:fld>
             <a:endParaRPr lang="en-US" dirty="0"/>
           </a:p>
@@ -26645,7 +26872,7 @@
 </p:sld>
 </file>
 
-<file path=ppt/slides/slide24.xml><?xml version="1.0" encoding="utf-8"?>
+<file path=ppt/slides/slide26.xml><?xml version="1.0" encoding="utf-8"?>
 <p:sld xmlns:a="http://schemas.openxmlformats.org/drawingml/2006/main" xmlns:r="http://schemas.openxmlformats.org/officeDocument/2006/relationships" xmlns:p="http://schemas.openxmlformats.org/presentationml/2006/main">
   <p:cSld>
     <p:spTree>
@@ -26685,7 +26912,7 @@
           <a:p>
             <a:fld id="{48F63A3B-78C7-47BE-AE5E-E10140E04643}" type="slidenum">
               <a:rPr lang="en-US" smtClean="0"/>
-              <a:t>24</a:t>
+              <a:t>26</a:t>
             </a:fld>
             <a:endParaRPr lang="en-US" dirty="0"/>
           </a:p>
@@ -26734,7 +26961,7 @@
 </p:sld>
 </file>
 
-<file path=ppt/slides/slide25.xml><?xml version="1.0" encoding="utf-8"?>
+<file path=ppt/slides/slide27.xml><?xml version="1.0" encoding="utf-8"?>
 <p:sld xmlns:a="http://schemas.openxmlformats.org/drawingml/2006/main" xmlns:r="http://schemas.openxmlformats.org/officeDocument/2006/relationships" xmlns:p="http://schemas.openxmlformats.org/presentationml/2006/main">
   <p:cSld>
     <p:spTree>
@@ -26774,7 +27001,7 @@
           <a:p>
             <a:fld id="{48F63A3B-78C7-47BE-AE5E-E10140E04643}" type="slidenum">
               <a:rPr lang="en-US" smtClean="0"/>
-              <a:t>25</a:t>
+              <a:t>27</a:t>
             </a:fld>
             <a:endParaRPr lang="en-US" dirty="0"/>
           </a:p>
@@ -26853,7 +27080,7 @@
 </p:sld>
 </file>
 
-<file path=ppt/slides/slide26.xml><?xml version="1.0" encoding="utf-8"?>
+<file path=ppt/slides/slide28.xml><?xml version="1.0" encoding="utf-8"?>
 <p:sld xmlns:a="http://schemas.openxmlformats.org/drawingml/2006/main" xmlns:r="http://schemas.openxmlformats.org/officeDocument/2006/relationships" xmlns:p="http://schemas.openxmlformats.org/presentationml/2006/main">
   <p:cSld>
     <p:spTree>
@@ -26893,7 +27120,7 @@
           <a:p>
             <a:fld id="{48F63A3B-78C7-47BE-AE5E-E10140E04643}" type="slidenum">
               <a:rPr lang="en-US" smtClean="0"/>
-              <a:t>26</a:t>
+              <a:t>28</a:t>
             </a:fld>
             <a:endParaRPr lang="en-US" dirty="0"/>
           </a:p>
@@ -26942,7 +27169,7 @@
 </p:sld>
 </file>
 
-<file path=ppt/slides/slide27.xml><?xml version="1.0" encoding="utf-8"?>
+<file path=ppt/slides/slide29.xml><?xml version="1.0" encoding="utf-8"?>
 <p:sld xmlns:a="http://schemas.openxmlformats.org/drawingml/2006/main" xmlns:r="http://schemas.openxmlformats.org/officeDocument/2006/relationships" xmlns:p="http://schemas.openxmlformats.org/presentationml/2006/main">
   <p:cSld>
     <p:spTree>
@@ -26982,7 +27209,7 @@
           <a:p>
             <a:fld id="{48F63A3B-78C7-47BE-AE5E-E10140E04643}" type="slidenum">
               <a:rPr lang="en-US" smtClean="0"/>
-              <a:t>27</a:t>
+              <a:t>29</a:t>
             </a:fld>
             <a:endParaRPr lang="en-US" dirty="0"/>
           </a:p>
@@ -27052,214 +27279,6 @@
     <p:extLst>
       <p:ext uri="{BB962C8B-B14F-4D97-AF65-F5344CB8AC3E}">
         <p14:creationId xmlns:p14="http://schemas.microsoft.com/office/powerpoint/2010/main" val="525936717"/>
-      </p:ext>
-    </p:extLst>
-  </p:cSld>
-  <p:clrMapOvr>
-    <a:masterClrMapping/>
-  </p:clrMapOvr>
-</p:sld>
-</file>
-
-<file path=ppt/slides/slide28.xml><?xml version="1.0" encoding="utf-8"?>
-<p:sld xmlns:a="http://schemas.openxmlformats.org/drawingml/2006/main" xmlns:r="http://schemas.openxmlformats.org/officeDocument/2006/relationships" xmlns:p="http://schemas.openxmlformats.org/presentationml/2006/main">
-  <p:cSld>
-    <p:spTree>
-      <p:nvGrpSpPr>
-        <p:cNvPr id="1" name=""/>
-        <p:cNvGrpSpPr/>
-        <p:nvPr/>
-      </p:nvGrpSpPr>
-      <p:grpSpPr>
-        <a:xfrm>
-          <a:off x="0" y="0"/>
-          <a:ext cx="0" cy="0"/>
-          <a:chOff x="0" y="0"/>
-          <a:chExt cx="0" cy="0"/>
-        </a:xfrm>
-      </p:grpSpPr>
-      <p:sp>
-        <p:nvSpPr>
-          <p:cNvPr id="8" name="Slide Number Placeholder 7">
-            <a:extLst>
-              <a:ext uri="{FF2B5EF4-FFF2-40B4-BE49-F238E27FC236}">
-                <a16:creationId xmlns:a16="http://schemas.microsoft.com/office/drawing/2014/main" id="{AECF22D2-2B16-C40D-AA90-609B5CD08B3D}"/>
-              </a:ext>
-            </a:extLst>
-          </p:cNvPr>
-          <p:cNvSpPr>
-            <a:spLocks noGrp="1"/>
-          </p:cNvSpPr>
-          <p:nvPr>
-            <p:ph type="sldNum" sz="quarter" idx="12"/>
-          </p:nvPr>
-        </p:nvSpPr>
-        <p:spPr/>
-        <p:txBody>
-          <a:bodyPr/>
-          <a:lstStyle/>
-          <a:p>
-            <a:fld id="{48F63A3B-78C7-47BE-AE5E-E10140E04643}" type="slidenum">
-              <a:rPr lang="en-US" smtClean="0"/>
-              <a:t>28</a:t>
-            </a:fld>
-            <a:endParaRPr lang="en-US" dirty="0"/>
-          </a:p>
-        </p:txBody>
-      </p:sp>
-      <p:pic>
-        <p:nvPicPr>
-          <p:cNvPr id="3" name="Picture 2">
-            <a:extLst>
-              <a:ext uri="{FF2B5EF4-FFF2-40B4-BE49-F238E27FC236}">
-                <a16:creationId xmlns:a16="http://schemas.microsoft.com/office/drawing/2014/main" id="{11A88666-C354-A20D-268C-9178BB058BAB}"/>
-              </a:ext>
-            </a:extLst>
-          </p:cNvPr>
-          <p:cNvPicPr>
-            <a:picLocks noChangeAspect="1"/>
-          </p:cNvPicPr>
-          <p:nvPr/>
-        </p:nvPicPr>
-        <p:blipFill>
-          <a:blip r:embed="rId2"/>
-          <a:stretch>
-            <a:fillRect/>
-          </a:stretch>
-        </p:blipFill>
-        <p:spPr>
-          <a:xfrm>
-            <a:off x="2057401" y="712823"/>
-            <a:ext cx="6992470" cy="3708699"/>
-          </a:xfrm>
-          <a:prstGeom prst="rect">
-            <a:avLst/>
-          </a:prstGeom>
-        </p:spPr>
-      </p:pic>
-      <p:pic>
-        <p:nvPicPr>
-          <p:cNvPr id="5" name="Picture 4">
-            <a:extLst>
-              <a:ext uri="{FF2B5EF4-FFF2-40B4-BE49-F238E27FC236}">
-                <a16:creationId xmlns:a16="http://schemas.microsoft.com/office/drawing/2014/main" id="{00C31F6E-3F3E-F013-391C-FF3A1EC1D314}"/>
-              </a:ext>
-            </a:extLst>
-          </p:cNvPr>
-          <p:cNvPicPr>
-            <a:picLocks noChangeAspect="1"/>
-          </p:cNvPicPr>
-          <p:nvPr/>
-        </p:nvPicPr>
-        <p:blipFill>
-          <a:blip r:embed="rId3"/>
-          <a:stretch>
-            <a:fillRect/>
-          </a:stretch>
-        </p:blipFill>
-        <p:spPr>
-          <a:xfrm>
-            <a:off x="2203488" y="4967215"/>
-            <a:ext cx="6144482" cy="1038370"/>
-          </a:xfrm>
-          <a:prstGeom prst="rect">
-            <a:avLst/>
-          </a:prstGeom>
-        </p:spPr>
-      </p:pic>
-    </p:spTree>
-    <p:extLst>
-      <p:ext uri="{BB962C8B-B14F-4D97-AF65-F5344CB8AC3E}">
-        <p14:creationId xmlns:p14="http://schemas.microsoft.com/office/powerpoint/2010/main" val="3278032844"/>
-      </p:ext>
-    </p:extLst>
-  </p:cSld>
-  <p:clrMapOvr>
-    <a:masterClrMapping/>
-  </p:clrMapOvr>
-</p:sld>
-</file>
-
-<file path=ppt/slides/slide29.xml><?xml version="1.0" encoding="utf-8"?>
-<p:sld xmlns:a="http://schemas.openxmlformats.org/drawingml/2006/main" xmlns:r="http://schemas.openxmlformats.org/officeDocument/2006/relationships" xmlns:p="http://schemas.openxmlformats.org/presentationml/2006/main">
-  <p:cSld>
-    <p:spTree>
-      <p:nvGrpSpPr>
-        <p:cNvPr id="1" name=""/>
-        <p:cNvGrpSpPr/>
-        <p:nvPr/>
-      </p:nvGrpSpPr>
-      <p:grpSpPr>
-        <a:xfrm>
-          <a:off x="0" y="0"/>
-          <a:ext cx="0" cy="0"/>
-          <a:chOff x="0" y="0"/>
-          <a:chExt cx="0" cy="0"/>
-        </a:xfrm>
-      </p:grpSpPr>
-      <p:sp>
-        <p:nvSpPr>
-          <p:cNvPr id="8" name="Slide Number Placeholder 7">
-            <a:extLst>
-              <a:ext uri="{FF2B5EF4-FFF2-40B4-BE49-F238E27FC236}">
-                <a16:creationId xmlns:a16="http://schemas.microsoft.com/office/drawing/2014/main" id="{AECF22D2-2B16-C40D-AA90-609B5CD08B3D}"/>
-              </a:ext>
-            </a:extLst>
-          </p:cNvPr>
-          <p:cNvSpPr>
-            <a:spLocks noGrp="1"/>
-          </p:cNvSpPr>
-          <p:nvPr>
-            <p:ph type="sldNum" sz="quarter" idx="12"/>
-          </p:nvPr>
-        </p:nvSpPr>
-        <p:spPr/>
-        <p:txBody>
-          <a:bodyPr/>
-          <a:lstStyle/>
-          <a:p>
-            <a:fld id="{48F63A3B-78C7-47BE-AE5E-E10140E04643}" type="slidenum">
-              <a:rPr lang="en-US" smtClean="0"/>
-              <a:t>29</a:t>
-            </a:fld>
-            <a:endParaRPr lang="en-US" dirty="0"/>
-          </a:p>
-        </p:txBody>
-      </p:sp>
-      <p:pic>
-        <p:nvPicPr>
-          <p:cNvPr id="3" name="Picture 2">
-            <a:extLst>
-              <a:ext uri="{FF2B5EF4-FFF2-40B4-BE49-F238E27FC236}">
-                <a16:creationId xmlns:a16="http://schemas.microsoft.com/office/drawing/2014/main" id="{8B577FC7-3A0E-E149-2EA4-F315161B0E38}"/>
-              </a:ext>
-            </a:extLst>
-          </p:cNvPr>
-          <p:cNvPicPr>
-            <a:picLocks noChangeAspect="1"/>
-          </p:cNvPicPr>
-          <p:nvPr/>
-        </p:nvPicPr>
-        <p:blipFill>
-          <a:blip r:embed="rId2"/>
-          <a:stretch>
-            <a:fillRect/>
-          </a:stretch>
-        </p:blipFill>
-        <p:spPr>
-          <a:xfrm>
-            <a:off x="2737391" y="1277471"/>
-            <a:ext cx="5496692" cy="3851979"/>
-          </a:xfrm>
-          <a:prstGeom prst="rect">
-            <a:avLst/>
-          </a:prstGeom>
-        </p:spPr>
-      </p:pic>
-    </p:spTree>
-    <p:extLst>
-      <p:ext uri="{BB962C8B-B14F-4D97-AF65-F5344CB8AC3E}">
-        <p14:creationId xmlns:p14="http://schemas.microsoft.com/office/powerpoint/2010/main" val="2350638479"/>
       </p:ext>
     </p:extLst>
   </p:cSld>
@@ -27548,6 +27567,214 @@
           <p:cNvPr id="3" name="Picture 2">
             <a:extLst>
               <a:ext uri="{FF2B5EF4-FFF2-40B4-BE49-F238E27FC236}">
+                <a16:creationId xmlns:a16="http://schemas.microsoft.com/office/drawing/2014/main" id="{11A88666-C354-A20D-268C-9178BB058BAB}"/>
+              </a:ext>
+            </a:extLst>
+          </p:cNvPr>
+          <p:cNvPicPr>
+            <a:picLocks noChangeAspect="1"/>
+          </p:cNvPicPr>
+          <p:nvPr/>
+        </p:nvPicPr>
+        <p:blipFill>
+          <a:blip r:embed="rId2"/>
+          <a:stretch>
+            <a:fillRect/>
+          </a:stretch>
+        </p:blipFill>
+        <p:spPr>
+          <a:xfrm>
+            <a:off x="2057401" y="712823"/>
+            <a:ext cx="6992470" cy="3708699"/>
+          </a:xfrm>
+          <a:prstGeom prst="rect">
+            <a:avLst/>
+          </a:prstGeom>
+        </p:spPr>
+      </p:pic>
+      <p:pic>
+        <p:nvPicPr>
+          <p:cNvPr id="5" name="Picture 4">
+            <a:extLst>
+              <a:ext uri="{FF2B5EF4-FFF2-40B4-BE49-F238E27FC236}">
+                <a16:creationId xmlns:a16="http://schemas.microsoft.com/office/drawing/2014/main" id="{00C31F6E-3F3E-F013-391C-FF3A1EC1D314}"/>
+              </a:ext>
+            </a:extLst>
+          </p:cNvPr>
+          <p:cNvPicPr>
+            <a:picLocks noChangeAspect="1"/>
+          </p:cNvPicPr>
+          <p:nvPr/>
+        </p:nvPicPr>
+        <p:blipFill>
+          <a:blip r:embed="rId3"/>
+          <a:stretch>
+            <a:fillRect/>
+          </a:stretch>
+        </p:blipFill>
+        <p:spPr>
+          <a:xfrm>
+            <a:off x="2203488" y="4967215"/>
+            <a:ext cx="6144482" cy="1038370"/>
+          </a:xfrm>
+          <a:prstGeom prst="rect">
+            <a:avLst/>
+          </a:prstGeom>
+        </p:spPr>
+      </p:pic>
+    </p:spTree>
+    <p:extLst>
+      <p:ext uri="{BB962C8B-B14F-4D97-AF65-F5344CB8AC3E}">
+        <p14:creationId xmlns:p14="http://schemas.microsoft.com/office/powerpoint/2010/main" val="3278032844"/>
+      </p:ext>
+    </p:extLst>
+  </p:cSld>
+  <p:clrMapOvr>
+    <a:masterClrMapping/>
+  </p:clrMapOvr>
+</p:sld>
+</file>
+
+<file path=ppt/slides/slide31.xml><?xml version="1.0" encoding="utf-8"?>
+<p:sld xmlns:a="http://schemas.openxmlformats.org/drawingml/2006/main" xmlns:r="http://schemas.openxmlformats.org/officeDocument/2006/relationships" xmlns:p="http://schemas.openxmlformats.org/presentationml/2006/main">
+  <p:cSld>
+    <p:spTree>
+      <p:nvGrpSpPr>
+        <p:cNvPr id="1" name=""/>
+        <p:cNvGrpSpPr/>
+        <p:nvPr/>
+      </p:nvGrpSpPr>
+      <p:grpSpPr>
+        <a:xfrm>
+          <a:off x="0" y="0"/>
+          <a:ext cx="0" cy="0"/>
+          <a:chOff x="0" y="0"/>
+          <a:chExt cx="0" cy="0"/>
+        </a:xfrm>
+      </p:grpSpPr>
+      <p:sp>
+        <p:nvSpPr>
+          <p:cNvPr id="8" name="Slide Number Placeholder 7">
+            <a:extLst>
+              <a:ext uri="{FF2B5EF4-FFF2-40B4-BE49-F238E27FC236}">
+                <a16:creationId xmlns:a16="http://schemas.microsoft.com/office/drawing/2014/main" id="{AECF22D2-2B16-C40D-AA90-609B5CD08B3D}"/>
+              </a:ext>
+            </a:extLst>
+          </p:cNvPr>
+          <p:cNvSpPr>
+            <a:spLocks noGrp="1"/>
+          </p:cNvSpPr>
+          <p:nvPr>
+            <p:ph type="sldNum" sz="quarter" idx="12"/>
+          </p:nvPr>
+        </p:nvSpPr>
+        <p:spPr/>
+        <p:txBody>
+          <a:bodyPr/>
+          <a:lstStyle/>
+          <a:p>
+            <a:fld id="{48F63A3B-78C7-47BE-AE5E-E10140E04643}" type="slidenum">
+              <a:rPr lang="en-US" smtClean="0"/>
+              <a:t>31</a:t>
+            </a:fld>
+            <a:endParaRPr lang="en-US" dirty="0"/>
+          </a:p>
+        </p:txBody>
+      </p:sp>
+      <p:pic>
+        <p:nvPicPr>
+          <p:cNvPr id="3" name="Picture 2">
+            <a:extLst>
+              <a:ext uri="{FF2B5EF4-FFF2-40B4-BE49-F238E27FC236}">
+                <a16:creationId xmlns:a16="http://schemas.microsoft.com/office/drawing/2014/main" id="{8B577FC7-3A0E-E149-2EA4-F315161B0E38}"/>
+              </a:ext>
+            </a:extLst>
+          </p:cNvPr>
+          <p:cNvPicPr>
+            <a:picLocks noChangeAspect="1"/>
+          </p:cNvPicPr>
+          <p:nvPr/>
+        </p:nvPicPr>
+        <p:blipFill>
+          <a:blip r:embed="rId2"/>
+          <a:stretch>
+            <a:fillRect/>
+          </a:stretch>
+        </p:blipFill>
+        <p:spPr>
+          <a:xfrm>
+            <a:off x="2737391" y="1277471"/>
+            <a:ext cx="5496692" cy="3851979"/>
+          </a:xfrm>
+          <a:prstGeom prst="rect">
+            <a:avLst/>
+          </a:prstGeom>
+        </p:spPr>
+      </p:pic>
+    </p:spTree>
+    <p:extLst>
+      <p:ext uri="{BB962C8B-B14F-4D97-AF65-F5344CB8AC3E}">
+        <p14:creationId xmlns:p14="http://schemas.microsoft.com/office/powerpoint/2010/main" val="2350638479"/>
+      </p:ext>
+    </p:extLst>
+  </p:cSld>
+  <p:clrMapOvr>
+    <a:masterClrMapping/>
+  </p:clrMapOvr>
+</p:sld>
+</file>
+
+<file path=ppt/slides/slide32.xml><?xml version="1.0" encoding="utf-8"?>
+<p:sld xmlns:a="http://schemas.openxmlformats.org/drawingml/2006/main" xmlns:r="http://schemas.openxmlformats.org/officeDocument/2006/relationships" xmlns:p="http://schemas.openxmlformats.org/presentationml/2006/main">
+  <p:cSld>
+    <p:spTree>
+      <p:nvGrpSpPr>
+        <p:cNvPr id="1" name=""/>
+        <p:cNvGrpSpPr/>
+        <p:nvPr/>
+      </p:nvGrpSpPr>
+      <p:grpSpPr>
+        <a:xfrm>
+          <a:off x="0" y="0"/>
+          <a:ext cx="0" cy="0"/>
+          <a:chOff x="0" y="0"/>
+          <a:chExt cx="0" cy="0"/>
+        </a:xfrm>
+      </p:grpSpPr>
+      <p:sp>
+        <p:nvSpPr>
+          <p:cNvPr id="8" name="Slide Number Placeholder 7">
+            <a:extLst>
+              <a:ext uri="{FF2B5EF4-FFF2-40B4-BE49-F238E27FC236}">
+                <a16:creationId xmlns:a16="http://schemas.microsoft.com/office/drawing/2014/main" id="{AECF22D2-2B16-C40D-AA90-609B5CD08B3D}"/>
+              </a:ext>
+            </a:extLst>
+          </p:cNvPr>
+          <p:cNvSpPr>
+            <a:spLocks noGrp="1"/>
+          </p:cNvSpPr>
+          <p:nvPr>
+            <p:ph type="sldNum" sz="quarter" idx="12"/>
+          </p:nvPr>
+        </p:nvSpPr>
+        <p:spPr/>
+        <p:txBody>
+          <a:bodyPr/>
+          <a:lstStyle/>
+          <a:p>
+            <a:fld id="{48F63A3B-78C7-47BE-AE5E-E10140E04643}" type="slidenum">
+              <a:rPr lang="en-US" smtClean="0"/>
+              <a:t>32</a:t>
+            </a:fld>
+            <a:endParaRPr lang="en-US" dirty="0"/>
+          </a:p>
+        </p:txBody>
+      </p:sp>
+      <p:pic>
+        <p:nvPicPr>
+          <p:cNvPr id="3" name="Picture 2">
+            <a:extLst>
+              <a:ext uri="{FF2B5EF4-FFF2-40B4-BE49-F238E27FC236}">
                 <a16:creationId xmlns:a16="http://schemas.microsoft.com/office/drawing/2014/main" id="{13AC8607-D924-E6C4-FA4D-0C0031468EDD}"/>
               </a:ext>
             </a:extLst>
@@ -27586,7 +27813,7 @@
 </p:sld>
 </file>
 
-<file path=ppt/slides/slide31.xml><?xml version="1.0" encoding="utf-8"?>
+<file path=ppt/slides/slide33.xml><?xml version="1.0" encoding="utf-8"?>
 <p:sld xmlns:a="http://schemas.openxmlformats.org/drawingml/2006/main" xmlns:r="http://schemas.openxmlformats.org/officeDocument/2006/relationships" xmlns:p="http://schemas.openxmlformats.org/presentationml/2006/main">
   <p:cSld>
     <p:spTree>
@@ -27626,7 +27853,7 @@
           <a:p>
             <a:fld id="{48F63A3B-78C7-47BE-AE5E-E10140E04643}" type="slidenum">
               <a:rPr lang="en-US" smtClean="0"/>
-              <a:t>31</a:t>
+              <a:t>33</a:t>
             </a:fld>
             <a:endParaRPr lang="en-US" dirty="0"/>
           </a:p>
@@ -27675,7 +27902,7 @@
 </p:sld>
 </file>
 
-<file path=ppt/slides/slide32.xml><?xml version="1.0" encoding="utf-8"?>
+<file path=ppt/slides/slide34.xml><?xml version="1.0" encoding="utf-8"?>
 <p:sld xmlns:a="http://schemas.openxmlformats.org/drawingml/2006/main" xmlns:r="http://schemas.openxmlformats.org/officeDocument/2006/relationships" xmlns:p="http://schemas.openxmlformats.org/presentationml/2006/main">
   <p:cSld>
     <p:spTree>
@@ -27715,7 +27942,7 @@
           <a:p>
             <a:fld id="{48F63A3B-78C7-47BE-AE5E-E10140E04643}" type="slidenum">
               <a:rPr lang="en-US" smtClean="0"/>
-              <a:t>32</a:t>
+              <a:t>34</a:t>
             </a:fld>
             <a:endParaRPr lang="en-US" dirty="0"/>
           </a:p>
@@ -27764,7 +27991,7 @@
 </p:sld>
 </file>
 
-<file path=ppt/slides/slide33.xml><?xml version="1.0" encoding="utf-8"?>
+<file path=ppt/slides/slide35.xml><?xml version="1.0" encoding="utf-8"?>
 <p:sld xmlns:a="http://schemas.openxmlformats.org/drawingml/2006/main" xmlns:r="http://schemas.openxmlformats.org/officeDocument/2006/relationships" xmlns:p="http://schemas.openxmlformats.org/presentationml/2006/main">
   <p:cSld>
     <p:spTree>
@@ -27804,7 +28031,7 @@
           <a:p>
             <a:fld id="{48F63A3B-78C7-47BE-AE5E-E10140E04643}" type="slidenum">
               <a:rPr lang="en-US" smtClean="0"/>
-              <a:t>33</a:t>
+              <a:t>35</a:t>
             </a:fld>
             <a:endParaRPr lang="en-US" dirty="0"/>
           </a:p>
@@ -27853,7 +28080,7 @@
 </p:sld>
 </file>
 
-<file path=ppt/slides/slide34.xml><?xml version="1.0" encoding="utf-8"?>
+<file path=ppt/slides/slide36.xml><?xml version="1.0" encoding="utf-8"?>
 <p:sld xmlns:a="http://schemas.openxmlformats.org/drawingml/2006/main" xmlns:r="http://schemas.openxmlformats.org/officeDocument/2006/relationships" xmlns:p="http://schemas.openxmlformats.org/presentationml/2006/main">
   <p:cSld>
     <p:spTree>
@@ -27893,7 +28120,7 @@
           <a:p>
             <a:fld id="{48F63A3B-78C7-47BE-AE5E-E10140E04643}" type="slidenum">
               <a:rPr lang="en-US" smtClean="0"/>
-              <a:t>34</a:t>
+              <a:t>36</a:t>
             </a:fld>
             <a:endParaRPr lang="en-US" dirty="0"/>
           </a:p>
@@ -27942,7 +28169,7 @@
 </p:sld>
 </file>
 
-<file path=ppt/slides/slide35.xml><?xml version="1.0" encoding="utf-8"?>
+<file path=ppt/slides/slide37.xml><?xml version="1.0" encoding="utf-8"?>
 <p:sld xmlns:a="http://schemas.openxmlformats.org/drawingml/2006/main" xmlns:r="http://schemas.openxmlformats.org/officeDocument/2006/relationships" xmlns:p="http://schemas.openxmlformats.org/presentationml/2006/main">
   <p:cSld>
     <p:spTree>
@@ -27982,7 +28209,7 @@
           <a:p>
             <a:fld id="{48F63A3B-78C7-47BE-AE5E-E10140E04643}" type="slidenum">
               <a:rPr lang="en-US" smtClean="0"/>
-              <a:t>35</a:t>
+              <a:t>37</a:t>
             </a:fld>
             <a:endParaRPr lang="en-US" dirty="0"/>
           </a:p>
@@ -28061,7 +28288,7 @@
 </p:sld>
 </file>
 
-<file path=ppt/slides/slide36.xml><?xml version="1.0" encoding="utf-8"?>
+<file path=ppt/slides/slide38.xml><?xml version="1.0" encoding="utf-8"?>
 <p:sld xmlns:a="http://schemas.openxmlformats.org/drawingml/2006/main" xmlns:r="http://schemas.openxmlformats.org/officeDocument/2006/relationships" xmlns:p="http://schemas.openxmlformats.org/presentationml/2006/main">
   <p:cSld>
     <p:spTree>
@@ -28101,7 +28328,7 @@
           <a:p>
             <a:fld id="{48F63A3B-78C7-47BE-AE5E-E10140E04643}" type="slidenum">
               <a:rPr lang="en-US" smtClean="0"/>
-              <a:t>36</a:t>
+              <a:t>38</a:t>
             </a:fld>
             <a:endParaRPr lang="en-US" dirty="0"/>
           </a:p>
@@ -28180,7 +28407,7 @@
 </p:sld>
 </file>
 
-<file path=ppt/slides/slide37.xml><?xml version="1.0" encoding="utf-8"?>
+<file path=ppt/slides/slide39.xml><?xml version="1.0" encoding="utf-8"?>
 <p:sld xmlns:a="http://schemas.openxmlformats.org/drawingml/2006/main" xmlns:r="http://schemas.openxmlformats.org/officeDocument/2006/relationships" xmlns:p="http://schemas.openxmlformats.org/presentationml/2006/main">
   <p:cSld>
     <p:spTree>
@@ -28220,7 +28447,7 @@
           <a:p>
             <a:fld id="{48F63A3B-78C7-47BE-AE5E-E10140E04643}" type="slidenum">
               <a:rPr lang="en-US" smtClean="0"/>
-              <a:t>37</a:t>
+              <a:t>39</a:t>
             </a:fld>
             <a:endParaRPr lang="en-US" dirty="0"/>
           </a:p>
@@ -28286,7 +28513,191 @@
 </p:sld>
 </file>
 
-<file path=ppt/slides/slide38.xml><?xml version="1.0" encoding="utf-8"?>
+<file path=ppt/slides/slide4.xml><?xml version="1.0" encoding="utf-8"?>
+<p:sld xmlns:a="http://schemas.openxmlformats.org/drawingml/2006/main" xmlns:r="http://schemas.openxmlformats.org/officeDocument/2006/relationships" xmlns:p="http://schemas.openxmlformats.org/presentationml/2006/main">
+  <p:cSld>
+    <p:spTree>
+      <p:nvGrpSpPr>
+        <p:cNvPr id="1" name=""/>
+        <p:cNvGrpSpPr/>
+        <p:nvPr/>
+      </p:nvGrpSpPr>
+      <p:grpSpPr>
+        <a:xfrm>
+          <a:off x="0" y="0"/>
+          <a:ext cx="0" cy="0"/>
+          <a:chOff x="0" y="0"/>
+          <a:chExt cx="0" cy="0"/>
+        </a:xfrm>
+      </p:grpSpPr>
+      <p:sp>
+        <p:nvSpPr>
+          <p:cNvPr id="2" name="Title 1">
+            <a:extLst>
+              <a:ext uri="{FF2B5EF4-FFF2-40B4-BE49-F238E27FC236}">
+                <a16:creationId xmlns:a16="http://schemas.microsoft.com/office/drawing/2014/main" id="{D53B219B-7E3A-7E84-6386-37313F0CFB09}"/>
+              </a:ext>
+            </a:extLst>
+          </p:cNvPr>
+          <p:cNvSpPr>
+            <a:spLocks noGrp="1"/>
+          </p:cNvSpPr>
+          <p:nvPr>
+            <p:ph type="title"/>
+          </p:nvPr>
+        </p:nvSpPr>
+        <p:spPr>
+          <a:xfrm>
+            <a:off x="1389530" y="808437"/>
+            <a:ext cx="6400800" cy="768096"/>
+          </a:xfrm>
+        </p:spPr>
+        <p:txBody>
+          <a:bodyPr/>
+          <a:lstStyle/>
+          <a:p>
+            <a:r>
+              <a:rPr lang="en-US" b="1" i="0" dirty="0">
+                <a:solidFill>
+                  <a:srgbClr val="000000"/>
+                </a:solidFill>
+                <a:effectLst/>
+                <a:latin typeface="Helvetica Neue"/>
+              </a:rPr>
+              <a:t>Business Goal:</a:t>
+            </a:r>
+          </a:p>
+        </p:txBody>
+      </p:sp>
+      <p:sp>
+        <p:nvSpPr>
+          <p:cNvPr id="3" name="Text Placeholder 2">
+            <a:extLst>
+              <a:ext uri="{FF2B5EF4-FFF2-40B4-BE49-F238E27FC236}">
+                <a16:creationId xmlns:a16="http://schemas.microsoft.com/office/drawing/2014/main" id="{A2E339BF-E6D7-DD0E-AF02-6813852EE723}"/>
+              </a:ext>
+            </a:extLst>
+          </p:cNvPr>
+          <p:cNvSpPr>
+            <a:spLocks noGrp="1"/>
+          </p:cNvSpPr>
+          <p:nvPr>
+            <p:ph type="body" idx="1"/>
+          </p:nvPr>
+        </p:nvSpPr>
+        <p:spPr>
+          <a:xfrm>
+            <a:off x="1927274" y="2166424"/>
+            <a:ext cx="5514536" cy="4530211"/>
+          </a:xfrm>
+        </p:spPr>
+        <p:txBody>
+          <a:bodyPr/>
+          <a:lstStyle/>
+          <a:p>
+            <a:pPr marL="457200" algn="just">
+              <a:lnSpc>
+                <a:spcPct val="107000"/>
+              </a:lnSpc>
+              <a:spcAft>
+                <a:spcPts val="800"/>
+              </a:spcAft>
+            </a:pPr>
+            <a:r>
+              <a:rPr lang="en-IN" sz="1400" dirty="0">
+                <a:solidFill>
+                  <a:srgbClr val="000000"/>
+                </a:solidFill>
+                <a:effectLst/>
+                <a:latin typeface="Calibri" panose="020F0502020204030204" pitchFamily="34" charset="0"/>
+                <a:ea typeface="Times New Roman" panose="02020603050405020304" pitchFamily="18" charset="0"/>
+                <a:cs typeface="Calibri" panose="020F0502020204030204" pitchFamily="34" charset="0"/>
+              </a:rPr>
+              <a:t>One of our clients works with small traders, who sell used cars. With the change in market due to covid 19 impact, our client is facing problems with their previous car price valuation machine learning models. So, they are looking for new machine learning models from new data. We have to make car price valuation model. This project contains two phases:</a:t>
+            </a:r>
+            <a:endParaRPr lang="en-IN" sz="1100" dirty="0">
+              <a:effectLst/>
+              <a:latin typeface="Calibri" panose="020F0502020204030204" pitchFamily="34" charset="0"/>
+              <a:ea typeface="Calibri" panose="020F0502020204030204" pitchFamily="34" charset="0"/>
+              <a:cs typeface="Times New Roman" panose="02020603050405020304" pitchFamily="18" charset="0"/>
+            </a:endParaRPr>
+          </a:p>
+          <a:p>
+            <a:pPr marL="742950" lvl="1" indent="-285750" algn="just">
+              <a:lnSpc>
+                <a:spcPct val="107000"/>
+              </a:lnSpc>
+              <a:spcAft>
+                <a:spcPts val="800"/>
+              </a:spcAft>
+              <a:buFont typeface="+mj-lt"/>
+              <a:buAutoNum type="alphaLcPeriod"/>
+            </a:pPr>
+            <a:r>
+              <a:rPr lang="en-IN" sz="1400" b="1" dirty="0">
+                <a:solidFill>
+                  <a:srgbClr val="000000"/>
+                </a:solidFill>
+                <a:effectLst/>
+                <a:latin typeface="Calibri" panose="020F0502020204030204" pitchFamily="34" charset="0"/>
+                <a:ea typeface="Times New Roman" panose="02020603050405020304" pitchFamily="18" charset="0"/>
+                <a:cs typeface="Calibri" panose="020F0502020204030204" pitchFamily="34" charset="0"/>
+              </a:rPr>
+              <a:t>Data Collection Phase</a:t>
+            </a:r>
+            <a:endParaRPr lang="en-IN" sz="1100" dirty="0">
+              <a:effectLst/>
+              <a:latin typeface="Calibri" panose="020F0502020204030204" pitchFamily="34" charset="0"/>
+              <a:ea typeface="Calibri" panose="020F0502020204030204" pitchFamily="34" charset="0"/>
+              <a:cs typeface="Times New Roman" panose="02020603050405020304" pitchFamily="18" charset="0"/>
+            </a:endParaRPr>
+          </a:p>
+          <a:p>
+            <a:pPr marL="742950" lvl="1" indent="-285750" algn="just">
+              <a:lnSpc>
+                <a:spcPct val="107000"/>
+              </a:lnSpc>
+              <a:spcAft>
+                <a:spcPts val="800"/>
+              </a:spcAft>
+              <a:buFont typeface="+mj-lt"/>
+              <a:buAutoNum type="alphaLcPeriod"/>
+            </a:pPr>
+            <a:r>
+              <a:rPr lang="en-IN" sz="1400" b="1" dirty="0">
+                <a:solidFill>
+                  <a:srgbClr val="000000"/>
+                </a:solidFill>
+                <a:effectLst/>
+                <a:latin typeface="Calibri" panose="020F0502020204030204" pitchFamily="34" charset="0"/>
+                <a:ea typeface="Times New Roman" panose="02020603050405020304" pitchFamily="18" charset="0"/>
+                <a:cs typeface="Calibri" panose="020F0502020204030204" pitchFamily="34" charset="0"/>
+              </a:rPr>
+              <a:t>Model Building Phase</a:t>
+            </a:r>
+            <a:endParaRPr lang="en-IN" sz="1100" dirty="0">
+              <a:effectLst/>
+              <a:latin typeface="Calibri" panose="020F0502020204030204" pitchFamily="34" charset="0"/>
+              <a:ea typeface="Calibri" panose="020F0502020204030204" pitchFamily="34" charset="0"/>
+              <a:cs typeface="Times New Roman" panose="02020603050405020304" pitchFamily="18" charset="0"/>
+            </a:endParaRPr>
+          </a:p>
+        </p:txBody>
+      </p:sp>
+    </p:spTree>
+    <p:extLst>
+      <p:ext uri="{BB962C8B-B14F-4D97-AF65-F5344CB8AC3E}">
+        <p14:creationId xmlns:p14="http://schemas.microsoft.com/office/powerpoint/2010/main" val="2952923800"/>
+      </p:ext>
+    </p:extLst>
+  </p:cSld>
+  <p:clrMapOvr>
+    <a:masterClrMapping/>
+  </p:clrMapOvr>
+</p:sld>
+</file>
+
+<file path=ppt/slides/slide40.xml><?xml version="1.0" encoding="utf-8"?>
 <p:sld xmlns:a="http://schemas.openxmlformats.org/drawingml/2006/main" xmlns:r="http://schemas.openxmlformats.org/officeDocument/2006/relationships" xmlns:p="http://schemas.openxmlformats.org/presentationml/2006/main">
   <p:cSld>
     <p:spTree>
@@ -28410,7 +28821,7 @@
           <a:p>
             <a:fld id="{48F63A3B-78C7-47BE-AE5E-E10140E04643}" type="slidenum">
               <a:rPr lang="en-US" smtClean="0"/>
-              <a:t>38</a:t>
+              <a:t>40</a:t>
             </a:fld>
             <a:endParaRPr lang="en-US" dirty="0"/>
           </a:p>
@@ -28489,7 +28900,7 @@
 </p:sld>
 </file>
 
-<file path=ppt/slides/slide39.xml><?xml version="1.0" encoding="utf-8"?>
+<file path=ppt/slides/slide41.xml><?xml version="1.0" encoding="utf-8"?>
 <p:sld xmlns:a="http://schemas.openxmlformats.org/drawingml/2006/main" xmlns:r="http://schemas.openxmlformats.org/officeDocument/2006/relationships" xmlns:p="http://schemas.openxmlformats.org/presentationml/2006/main">
   <p:cSld>
     <p:spTree>
@@ -28578,7 +28989,7 @@
           <a:p>
             <a:fld id="{48F63A3B-78C7-47BE-AE5E-E10140E04643}" type="slidenum">
               <a:rPr lang="en-US" smtClean="0"/>
-              <a:t>39</a:t>
+              <a:t>41</a:t>
             </a:fld>
             <a:endParaRPr lang="en-US" dirty="0"/>
           </a:p>
@@ -28674,191 +29085,7 @@
 </p:sld>
 </file>
 
-<file path=ppt/slides/slide4.xml><?xml version="1.0" encoding="utf-8"?>
-<p:sld xmlns:a="http://schemas.openxmlformats.org/drawingml/2006/main" xmlns:r="http://schemas.openxmlformats.org/officeDocument/2006/relationships" xmlns:p="http://schemas.openxmlformats.org/presentationml/2006/main">
-  <p:cSld>
-    <p:spTree>
-      <p:nvGrpSpPr>
-        <p:cNvPr id="1" name=""/>
-        <p:cNvGrpSpPr/>
-        <p:nvPr/>
-      </p:nvGrpSpPr>
-      <p:grpSpPr>
-        <a:xfrm>
-          <a:off x="0" y="0"/>
-          <a:ext cx="0" cy="0"/>
-          <a:chOff x="0" y="0"/>
-          <a:chExt cx="0" cy="0"/>
-        </a:xfrm>
-      </p:grpSpPr>
-      <p:sp>
-        <p:nvSpPr>
-          <p:cNvPr id="2" name="Title 1">
-            <a:extLst>
-              <a:ext uri="{FF2B5EF4-FFF2-40B4-BE49-F238E27FC236}">
-                <a16:creationId xmlns:a16="http://schemas.microsoft.com/office/drawing/2014/main" id="{D53B219B-7E3A-7E84-6386-37313F0CFB09}"/>
-              </a:ext>
-            </a:extLst>
-          </p:cNvPr>
-          <p:cNvSpPr>
-            <a:spLocks noGrp="1"/>
-          </p:cNvSpPr>
-          <p:nvPr>
-            <p:ph type="title"/>
-          </p:nvPr>
-        </p:nvSpPr>
-        <p:spPr>
-          <a:xfrm>
-            <a:off x="1389530" y="808437"/>
-            <a:ext cx="6400800" cy="768096"/>
-          </a:xfrm>
-        </p:spPr>
-        <p:txBody>
-          <a:bodyPr/>
-          <a:lstStyle/>
-          <a:p>
-            <a:r>
-              <a:rPr lang="en-US" b="1" i="0" dirty="0">
-                <a:solidFill>
-                  <a:srgbClr val="000000"/>
-                </a:solidFill>
-                <a:effectLst/>
-                <a:latin typeface="Helvetica Neue"/>
-              </a:rPr>
-              <a:t>Business Goal:</a:t>
-            </a:r>
-          </a:p>
-        </p:txBody>
-      </p:sp>
-      <p:sp>
-        <p:nvSpPr>
-          <p:cNvPr id="3" name="Text Placeholder 2">
-            <a:extLst>
-              <a:ext uri="{FF2B5EF4-FFF2-40B4-BE49-F238E27FC236}">
-                <a16:creationId xmlns:a16="http://schemas.microsoft.com/office/drawing/2014/main" id="{A2E339BF-E6D7-DD0E-AF02-6813852EE723}"/>
-              </a:ext>
-            </a:extLst>
-          </p:cNvPr>
-          <p:cNvSpPr>
-            <a:spLocks noGrp="1"/>
-          </p:cNvSpPr>
-          <p:nvPr>
-            <p:ph type="body" idx="1"/>
-          </p:nvPr>
-        </p:nvSpPr>
-        <p:spPr>
-          <a:xfrm>
-            <a:off x="1927274" y="2166424"/>
-            <a:ext cx="5514536" cy="4530211"/>
-          </a:xfrm>
-        </p:spPr>
-        <p:txBody>
-          <a:bodyPr/>
-          <a:lstStyle/>
-          <a:p>
-            <a:pPr marL="457200" algn="just">
-              <a:lnSpc>
-                <a:spcPct val="107000"/>
-              </a:lnSpc>
-              <a:spcAft>
-                <a:spcPts val="800"/>
-              </a:spcAft>
-            </a:pPr>
-            <a:r>
-              <a:rPr lang="en-IN" sz="1400" dirty="0">
-                <a:solidFill>
-                  <a:srgbClr val="000000"/>
-                </a:solidFill>
-                <a:effectLst/>
-                <a:latin typeface="Calibri" panose="020F0502020204030204" pitchFamily="34" charset="0"/>
-                <a:ea typeface="Times New Roman" panose="02020603050405020304" pitchFamily="18" charset="0"/>
-                <a:cs typeface="Calibri" panose="020F0502020204030204" pitchFamily="34" charset="0"/>
-              </a:rPr>
-              <a:t>One of our clients works with small traders, who sell used cars. With the change in market due to covid 19 impact, our client is facing problems with their previous car price valuation machine learning models. So, they are looking for new machine learning models from new data. We have to make car price valuation model. This project contains two phases:</a:t>
-            </a:r>
-            <a:endParaRPr lang="en-IN" sz="1100" dirty="0">
-              <a:effectLst/>
-              <a:latin typeface="Calibri" panose="020F0502020204030204" pitchFamily="34" charset="0"/>
-              <a:ea typeface="Calibri" panose="020F0502020204030204" pitchFamily="34" charset="0"/>
-              <a:cs typeface="Times New Roman" panose="02020603050405020304" pitchFamily="18" charset="0"/>
-            </a:endParaRPr>
-          </a:p>
-          <a:p>
-            <a:pPr marL="742950" lvl="1" indent="-285750" algn="just">
-              <a:lnSpc>
-                <a:spcPct val="107000"/>
-              </a:lnSpc>
-              <a:spcAft>
-                <a:spcPts val="800"/>
-              </a:spcAft>
-              <a:buFont typeface="+mj-lt"/>
-              <a:buAutoNum type="alphaLcPeriod"/>
-            </a:pPr>
-            <a:r>
-              <a:rPr lang="en-IN" sz="1400" b="1" dirty="0">
-                <a:solidFill>
-                  <a:srgbClr val="000000"/>
-                </a:solidFill>
-                <a:effectLst/>
-                <a:latin typeface="Calibri" panose="020F0502020204030204" pitchFamily="34" charset="0"/>
-                <a:ea typeface="Times New Roman" panose="02020603050405020304" pitchFamily="18" charset="0"/>
-                <a:cs typeface="Calibri" panose="020F0502020204030204" pitchFamily="34" charset="0"/>
-              </a:rPr>
-              <a:t>Data Collection Phase</a:t>
-            </a:r>
-            <a:endParaRPr lang="en-IN" sz="1100" dirty="0">
-              <a:effectLst/>
-              <a:latin typeface="Calibri" panose="020F0502020204030204" pitchFamily="34" charset="0"/>
-              <a:ea typeface="Calibri" panose="020F0502020204030204" pitchFamily="34" charset="0"/>
-              <a:cs typeface="Times New Roman" panose="02020603050405020304" pitchFamily="18" charset="0"/>
-            </a:endParaRPr>
-          </a:p>
-          <a:p>
-            <a:pPr marL="742950" lvl="1" indent="-285750" algn="just">
-              <a:lnSpc>
-                <a:spcPct val="107000"/>
-              </a:lnSpc>
-              <a:spcAft>
-                <a:spcPts val="800"/>
-              </a:spcAft>
-              <a:buFont typeface="+mj-lt"/>
-              <a:buAutoNum type="alphaLcPeriod"/>
-            </a:pPr>
-            <a:r>
-              <a:rPr lang="en-IN" sz="1400" b="1" dirty="0">
-                <a:solidFill>
-                  <a:srgbClr val="000000"/>
-                </a:solidFill>
-                <a:effectLst/>
-                <a:latin typeface="Calibri" panose="020F0502020204030204" pitchFamily="34" charset="0"/>
-                <a:ea typeface="Times New Roman" panose="02020603050405020304" pitchFamily="18" charset="0"/>
-                <a:cs typeface="Calibri" panose="020F0502020204030204" pitchFamily="34" charset="0"/>
-              </a:rPr>
-              <a:t>Model Building Phase</a:t>
-            </a:r>
-            <a:endParaRPr lang="en-IN" sz="1100" dirty="0">
-              <a:effectLst/>
-              <a:latin typeface="Calibri" panose="020F0502020204030204" pitchFamily="34" charset="0"/>
-              <a:ea typeface="Calibri" panose="020F0502020204030204" pitchFamily="34" charset="0"/>
-              <a:cs typeface="Times New Roman" panose="02020603050405020304" pitchFamily="18" charset="0"/>
-            </a:endParaRPr>
-          </a:p>
-        </p:txBody>
-      </p:sp>
-    </p:spTree>
-    <p:extLst>
-      <p:ext uri="{BB962C8B-B14F-4D97-AF65-F5344CB8AC3E}">
-        <p14:creationId xmlns:p14="http://schemas.microsoft.com/office/powerpoint/2010/main" val="2952923800"/>
-      </p:ext>
-    </p:extLst>
-  </p:cSld>
-  <p:clrMapOvr>
-    <a:masterClrMapping/>
-  </p:clrMapOvr>
-</p:sld>
-</file>
-
-<file path=ppt/slides/slide40.xml><?xml version="1.0" encoding="utf-8"?>
+<file path=ppt/slides/slide42.xml><?xml version="1.0" encoding="utf-8"?>
 <p:sld xmlns:a="http://schemas.openxmlformats.org/drawingml/2006/main" xmlns:r="http://schemas.openxmlformats.org/officeDocument/2006/relationships" xmlns:p="http://schemas.openxmlformats.org/presentationml/2006/main">
   <p:cSld>
     <p:spTree>
@@ -28978,7 +29205,7 @@
           <a:p>
             <a:fld id="{48F63A3B-78C7-47BE-AE5E-E10140E04643}" type="slidenum">
               <a:rPr lang="en-US" smtClean="0"/>
-              <a:t>40</a:t>
+              <a:t>42</a:t>
             </a:fld>
             <a:endParaRPr lang="en-US" dirty="0"/>
           </a:p>
@@ -29134,7 +29361,7 @@
 </p:sld>
 </file>
 
-<file path=ppt/slides/slide41.xml><?xml version="1.0" encoding="utf-8"?>
+<file path=ppt/slides/slide43.xml><?xml version="1.0" encoding="utf-8"?>
 <p:sld xmlns:a="http://schemas.openxmlformats.org/drawingml/2006/main" xmlns:r="http://schemas.openxmlformats.org/officeDocument/2006/relationships" xmlns:p="http://schemas.openxmlformats.org/presentationml/2006/main">
   <p:cSld>
     <p:spTree>
@@ -29208,7 +29435,7 @@
             <a:fld id="{48F63A3B-78C7-47BE-AE5E-E10140E04643}" type="slidenum">
               <a:rPr lang="en-US" smtClean="0"/>
               <a:pPr/>
-              <a:t>41</a:t>
+              <a:t>43</a:t>
             </a:fld>
             <a:endParaRPr lang="en-US" dirty="0"/>
           </a:p>
@@ -29277,7 +29504,27 @@
                 <a:effectLst/>
                 <a:latin typeface="Georgia" panose="02040502050405020303" pitchFamily="18" charset="0"/>
               </a:rPr>
-              <a:t>previous car price valuation machine learning models is not working good because some cars are in demand hence making them costly and some are not in demand hence cheaper. </a:t>
+              <a:t>previous car price valuation machine learning models is not </a:t>
+            </a:r>
+            <a:r>
+              <a:rPr lang="en-US" sz="1800" b="0" i="0">
+                <a:solidFill>
+                  <a:schemeClr val="tx1"/>
+                </a:solidFill>
+                <a:effectLst/>
+                <a:latin typeface="Georgia" panose="02040502050405020303" pitchFamily="18" charset="0"/>
+              </a:rPr>
+              <a:t>working well </a:t>
+            </a:r>
+            <a:r>
+              <a:rPr lang="en-US" sz="1800" b="0" i="0" dirty="0">
+                <a:solidFill>
+                  <a:schemeClr val="tx1"/>
+                </a:solidFill>
+                <a:effectLst/>
+                <a:latin typeface="Georgia" panose="02040502050405020303" pitchFamily="18" charset="0"/>
+              </a:rPr>
+              <a:t>because some cars are in demand hence making them costly and some are not in demand hence cheaper. </a:t>
             </a:r>
             <a:endParaRPr lang="en-US" sz="1800" dirty="0">
               <a:solidFill>
@@ -29366,7 +29613,7 @@
 </p:sld>
 </file>
 
-<file path=ppt/slides/slide42.xml><?xml version="1.0" encoding="utf-8"?>
+<file path=ppt/slides/slide44.xml><?xml version="1.0" encoding="utf-8"?>
 <p:sld xmlns:a="http://schemas.openxmlformats.org/drawingml/2006/main" xmlns:r="http://schemas.openxmlformats.org/officeDocument/2006/relationships" xmlns:p="http://schemas.openxmlformats.org/presentationml/2006/main">
   <p:cSld>
     <p:spTree>
